--- a/analog ready and triger.pptx
+++ b/analog ready and triger.pptx
@@ -6,6 +6,12 @@
   </p:sldMasterIdLst>
   <p:sldIdLst>
     <p:sldId id="256" r:id="rId2"/>
+    <p:sldId id="257" r:id="rId3"/>
+    <p:sldId id="258" r:id="rId4"/>
+    <p:sldId id="259" r:id="rId5"/>
+    <p:sldId id="260" r:id="rId6"/>
+    <p:sldId id="261" r:id="rId7"/>
+    <p:sldId id="262" r:id="rId8"/>
   </p:sldIdLst>
   <p:sldSz cx="12192000" cy="6858000"/>
   <p:notesSz cx="6858000" cy="9144000"/>
@@ -104,6 +110,11 @@
       </a:defRPr>
     </a:lvl9pPr>
   </p:defaultTextStyle>
+  <p:extLst>
+    <p:ext uri="{EFAFB233-063F-42B5-8137-9DF3F51BA10A}">
+      <p15:sldGuideLst xmlns:p15="http://schemas.microsoft.com/office/powerpoint/2012/main"/>
+    </p:ext>
+  </p:extLst>
 </p:presentation>
 </file>
 
@@ -256,7 +267,7 @@
           <a:p>
             <a:fld id="{369ECE3D-5579-42B5-BBD4-D71CCDF0049C}" type="datetimeFigureOut">
               <a:rPr lang="en-GB" smtClean="0"/>
-              <a:t>12/10/2022</a:t>
+              <a:t>17/10/2022</a:t>
             </a:fld>
             <a:endParaRPr lang="en-GB"/>
           </a:p>
@@ -456,7 +467,7 @@
           <a:p>
             <a:fld id="{369ECE3D-5579-42B5-BBD4-D71CCDF0049C}" type="datetimeFigureOut">
               <a:rPr lang="en-GB" smtClean="0"/>
-              <a:t>12/10/2022</a:t>
+              <a:t>17/10/2022</a:t>
             </a:fld>
             <a:endParaRPr lang="en-GB"/>
           </a:p>
@@ -666,7 +677,7 @@
           <a:p>
             <a:fld id="{369ECE3D-5579-42B5-BBD4-D71CCDF0049C}" type="datetimeFigureOut">
               <a:rPr lang="en-GB" smtClean="0"/>
-              <a:t>12/10/2022</a:t>
+              <a:t>17/10/2022</a:t>
             </a:fld>
             <a:endParaRPr lang="en-GB"/>
           </a:p>
@@ -866,7 +877,7 @@
           <a:p>
             <a:fld id="{369ECE3D-5579-42B5-BBD4-D71CCDF0049C}" type="datetimeFigureOut">
               <a:rPr lang="en-GB" smtClean="0"/>
-              <a:t>12/10/2022</a:t>
+              <a:t>17/10/2022</a:t>
             </a:fld>
             <a:endParaRPr lang="en-GB"/>
           </a:p>
@@ -1142,7 +1153,7 @@
           <a:p>
             <a:fld id="{369ECE3D-5579-42B5-BBD4-D71CCDF0049C}" type="datetimeFigureOut">
               <a:rPr lang="en-GB" smtClean="0"/>
-              <a:t>12/10/2022</a:t>
+              <a:t>17/10/2022</a:t>
             </a:fld>
             <a:endParaRPr lang="en-GB"/>
           </a:p>
@@ -1410,7 +1421,7 @@
           <a:p>
             <a:fld id="{369ECE3D-5579-42B5-BBD4-D71CCDF0049C}" type="datetimeFigureOut">
               <a:rPr lang="en-GB" smtClean="0"/>
-              <a:t>12/10/2022</a:t>
+              <a:t>17/10/2022</a:t>
             </a:fld>
             <a:endParaRPr lang="en-GB"/>
           </a:p>
@@ -1825,7 +1836,7 @@
           <a:p>
             <a:fld id="{369ECE3D-5579-42B5-BBD4-D71CCDF0049C}" type="datetimeFigureOut">
               <a:rPr lang="en-GB" smtClean="0"/>
-              <a:t>12/10/2022</a:t>
+              <a:t>17/10/2022</a:t>
             </a:fld>
             <a:endParaRPr lang="en-GB"/>
           </a:p>
@@ -1967,7 +1978,7 @@
           <a:p>
             <a:fld id="{369ECE3D-5579-42B5-BBD4-D71CCDF0049C}" type="datetimeFigureOut">
               <a:rPr lang="en-GB" smtClean="0"/>
-              <a:t>12/10/2022</a:t>
+              <a:t>17/10/2022</a:t>
             </a:fld>
             <a:endParaRPr lang="en-GB"/>
           </a:p>
@@ -2080,7 +2091,7 @@
           <a:p>
             <a:fld id="{369ECE3D-5579-42B5-BBD4-D71CCDF0049C}" type="datetimeFigureOut">
               <a:rPr lang="en-GB" smtClean="0"/>
-              <a:t>12/10/2022</a:t>
+              <a:t>17/10/2022</a:t>
             </a:fld>
             <a:endParaRPr lang="en-GB"/>
           </a:p>
@@ -2393,7 +2404,7 @@
           <a:p>
             <a:fld id="{369ECE3D-5579-42B5-BBD4-D71CCDF0049C}" type="datetimeFigureOut">
               <a:rPr lang="en-GB" smtClean="0"/>
-              <a:t>12/10/2022</a:t>
+              <a:t>17/10/2022</a:t>
             </a:fld>
             <a:endParaRPr lang="en-GB"/>
           </a:p>
@@ -2682,7 +2693,7 @@
           <a:p>
             <a:fld id="{369ECE3D-5579-42B5-BBD4-D71CCDF0049C}" type="datetimeFigureOut">
               <a:rPr lang="en-GB" smtClean="0"/>
-              <a:t>12/10/2022</a:t>
+              <a:t>17/10/2022</a:t>
             </a:fld>
             <a:endParaRPr lang="en-GB"/>
           </a:p>
@@ -2925,7 +2936,7 @@
           <a:p>
             <a:fld id="{369ECE3D-5579-42B5-BBD4-D71CCDF0049C}" type="datetimeFigureOut">
               <a:rPr lang="en-GB" smtClean="0"/>
-              <a:t>12/10/2022</a:t>
+              <a:t>17/10/2022</a:t>
             </a:fld>
             <a:endParaRPr lang="en-GB"/>
           </a:p>
@@ -3547,6 +3558,1658 @@
 </p:sld>
 </file>
 
+<file path=ppt/slides/slide2.xml><?xml version="1.0" encoding="utf-8"?>
+<p:sld xmlns:a="http://schemas.openxmlformats.org/drawingml/2006/main" xmlns:r="http://schemas.openxmlformats.org/officeDocument/2006/relationships" xmlns:p="http://schemas.openxmlformats.org/presentationml/2006/main">
+  <p:cSld>
+    <p:spTree>
+      <p:nvGrpSpPr>
+        <p:cNvPr id="1" name=""/>
+        <p:cNvGrpSpPr/>
+        <p:nvPr/>
+      </p:nvGrpSpPr>
+      <p:grpSpPr>
+        <a:xfrm>
+          <a:off x="0" y="0"/>
+          <a:ext cx="0" cy="0"/>
+          <a:chOff x="0" y="0"/>
+          <a:chExt cx="0" cy="0"/>
+        </a:xfrm>
+      </p:grpSpPr>
+      <p:sp>
+        <p:nvSpPr>
+          <p:cNvPr id="2" name="Title 1">
+            <a:extLst>
+              <a:ext uri="{FF2B5EF4-FFF2-40B4-BE49-F238E27FC236}">
+                <a16:creationId xmlns:a16="http://schemas.microsoft.com/office/drawing/2014/main" id="{6A36D44E-89AA-9FCF-B88A-4FBB0C1175B6}"/>
+              </a:ext>
+            </a:extLst>
+          </p:cNvPr>
+          <p:cNvSpPr>
+            <a:spLocks noGrp="1"/>
+          </p:cNvSpPr>
+          <p:nvPr>
+            <p:ph type="title"/>
+          </p:nvPr>
+        </p:nvSpPr>
+        <p:spPr/>
+        <p:txBody>
+          <a:bodyPr/>
+          <a:lstStyle/>
+          <a:p>
+            <a:endParaRPr lang="en-GB"/>
+          </a:p>
+        </p:txBody>
+      </p:sp>
+      <p:sp>
+        <p:nvSpPr>
+          <p:cNvPr id="3" name="Content Placeholder 2">
+            <a:extLst>
+              <a:ext uri="{FF2B5EF4-FFF2-40B4-BE49-F238E27FC236}">
+                <a16:creationId xmlns:a16="http://schemas.microsoft.com/office/drawing/2014/main" id="{090093D0-ED84-346E-77EE-0A094C57D265}"/>
+              </a:ext>
+            </a:extLst>
+          </p:cNvPr>
+          <p:cNvSpPr>
+            <a:spLocks noGrp="1"/>
+          </p:cNvSpPr>
+          <p:nvPr>
+            <p:ph idx="1"/>
+          </p:nvPr>
+        </p:nvSpPr>
+        <p:spPr/>
+        <p:txBody>
+          <a:bodyPr/>
+          <a:lstStyle/>
+          <a:p>
+            <a:endParaRPr lang="en-GB"/>
+          </a:p>
+        </p:txBody>
+      </p:sp>
+      <p:pic>
+        <p:nvPicPr>
+          <p:cNvPr id="5" name="Picture 4">
+            <a:extLst>
+              <a:ext uri="{FF2B5EF4-FFF2-40B4-BE49-F238E27FC236}">
+                <a16:creationId xmlns:a16="http://schemas.microsoft.com/office/drawing/2014/main" id="{087C2525-8870-CFB5-DC25-4DAF31F65983}"/>
+              </a:ext>
+            </a:extLst>
+          </p:cNvPr>
+          <p:cNvPicPr>
+            <a:picLocks noChangeAspect="1"/>
+          </p:cNvPicPr>
+          <p:nvPr/>
+        </p:nvPicPr>
+        <p:blipFill>
+          <a:blip r:embed="rId2"/>
+          <a:stretch>
+            <a:fillRect/>
+          </a:stretch>
+        </p:blipFill>
+        <p:spPr>
+          <a:xfrm>
+            <a:off x="0" y="40627"/>
+            <a:ext cx="12192000" cy="6817373"/>
+          </a:xfrm>
+          <a:prstGeom prst="rect">
+            <a:avLst/>
+          </a:prstGeom>
+        </p:spPr>
+      </p:pic>
+    </p:spTree>
+    <p:extLst>
+      <p:ext uri="{BB962C8B-B14F-4D97-AF65-F5344CB8AC3E}">
+        <p14:creationId xmlns:p14="http://schemas.microsoft.com/office/powerpoint/2010/main" val="908979829"/>
+      </p:ext>
+    </p:extLst>
+  </p:cSld>
+  <p:clrMapOvr>
+    <a:masterClrMapping/>
+  </p:clrMapOvr>
+</p:sld>
+</file>
+
+<file path=ppt/slides/slide3.xml><?xml version="1.0" encoding="utf-8"?>
+<p:sld xmlns:a="http://schemas.openxmlformats.org/drawingml/2006/main" xmlns:r="http://schemas.openxmlformats.org/officeDocument/2006/relationships" xmlns:p="http://schemas.openxmlformats.org/presentationml/2006/main">
+  <p:cSld>
+    <p:spTree>
+      <p:nvGrpSpPr>
+        <p:cNvPr id="1" name=""/>
+        <p:cNvGrpSpPr/>
+        <p:nvPr/>
+      </p:nvGrpSpPr>
+      <p:grpSpPr>
+        <a:xfrm>
+          <a:off x="0" y="0"/>
+          <a:ext cx="0" cy="0"/>
+          <a:chOff x="0" y="0"/>
+          <a:chExt cx="0" cy="0"/>
+        </a:xfrm>
+      </p:grpSpPr>
+      <p:pic>
+        <p:nvPicPr>
+          <p:cNvPr id="5" name="Picture 4">
+            <a:extLst>
+              <a:ext uri="{FF2B5EF4-FFF2-40B4-BE49-F238E27FC236}">
+                <a16:creationId xmlns:a16="http://schemas.microsoft.com/office/drawing/2014/main" id="{341F181D-381D-B439-B175-360F1C643AD0}"/>
+              </a:ext>
+            </a:extLst>
+          </p:cNvPr>
+          <p:cNvPicPr>
+            <a:picLocks noChangeAspect="1"/>
+          </p:cNvPicPr>
+          <p:nvPr/>
+        </p:nvPicPr>
+        <p:blipFill>
+          <a:blip r:embed="rId2"/>
+          <a:stretch>
+            <a:fillRect/>
+          </a:stretch>
+        </p:blipFill>
+        <p:spPr>
+          <a:xfrm>
+            <a:off x="0" y="20313"/>
+            <a:ext cx="12192000" cy="6817373"/>
+          </a:xfrm>
+          <a:prstGeom prst="rect">
+            <a:avLst/>
+          </a:prstGeom>
+        </p:spPr>
+      </p:pic>
+    </p:spTree>
+    <p:extLst>
+      <p:ext uri="{BB962C8B-B14F-4D97-AF65-F5344CB8AC3E}">
+        <p14:creationId xmlns:p14="http://schemas.microsoft.com/office/powerpoint/2010/main" val="708499454"/>
+      </p:ext>
+    </p:extLst>
+  </p:cSld>
+  <p:clrMapOvr>
+    <a:masterClrMapping/>
+  </p:clrMapOvr>
+</p:sld>
+</file>
+
+<file path=ppt/slides/slide4.xml><?xml version="1.0" encoding="utf-8"?>
+<p:sld xmlns:a="http://schemas.openxmlformats.org/drawingml/2006/main" xmlns:r="http://schemas.openxmlformats.org/officeDocument/2006/relationships" xmlns:p="http://schemas.openxmlformats.org/presentationml/2006/main">
+  <p:cSld>
+    <p:spTree>
+      <p:nvGrpSpPr>
+        <p:cNvPr id="1" name=""/>
+        <p:cNvGrpSpPr/>
+        <p:nvPr/>
+      </p:nvGrpSpPr>
+      <p:grpSpPr>
+        <a:xfrm>
+          <a:off x="0" y="0"/>
+          <a:ext cx="0" cy="0"/>
+          <a:chOff x="0" y="0"/>
+          <a:chExt cx="0" cy="0"/>
+        </a:xfrm>
+      </p:grpSpPr>
+      <p:sp>
+        <p:nvSpPr>
+          <p:cNvPr id="2" name="Title 1">
+            <a:extLst>
+              <a:ext uri="{FF2B5EF4-FFF2-40B4-BE49-F238E27FC236}">
+                <a16:creationId xmlns:a16="http://schemas.microsoft.com/office/drawing/2014/main" id="{A1F7B856-6914-BAAF-8FE9-5702BF696EFA}"/>
+              </a:ext>
+            </a:extLst>
+          </p:cNvPr>
+          <p:cNvSpPr>
+            <a:spLocks noGrp="1"/>
+          </p:cNvSpPr>
+          <p:nvPr>
+            <p:ph type="title"/>
+          </p:nvPr>
+        </p:nvSpPr>
+        <p:spPr/>
+        <p:txBody>
+          <a:bodyPr/>
+          <a:lstStyle/>
+          <a:p>
+            <a:endParaRPr lang="en-GB"/>
+          </a:p>
+        </p:txBody>
+      </p:sp>
+      <p:sp>
+        <p:nvSpPr>
+          <p:cNvPr id="3" name="Content Placeholder 2">
+            <a:extLst>
+              <a:ext uri="{FF2B5EF4-FFF2-40B4-BE49-F238E27FC236}">
+                <a16:creationId xmlns:a16="http://schemas.microsoft.com/office/drawing/2014/main" id="{8B717E87-17AA-DE0B-4144-FB3601CFD190}"/>
+              </a:ext>
+            </a:extLst>
+          </p:cNvPr>
+          <p:cNvSpPr>
+            <a:spLocks noGrp="1"/>
+          </p:cNvSpPr>
+          <p:nvPr>
+            <p:ph idx="1"/>
+          </p:nvPr>
+        </p:nvSpPr>
+        <p:spPr/>
+        <p:txBody>
+          <a:bodyPr/>
+          <a:lstStyle/>
+          <a:p>
+            <a:endParaRPr lang="en-GB"/>
+          </a:p>
+        </p:txBody>
+      </p:sp>
+      <p:pic>
+        <p:nvPicPr>
+          <p:cNvPr id="5" name="Picture 4">
+            <a:extLst>
+              <a:ext uri="{FF2B5EF4-FFF2-40B4-BE49-F238E27FC236}">
+                <a16:creationId xmlns:a16="http://schemas.microsoft.com/office/drawing/2014/main" id="{8E466B95-B72F-023D-304A-A80A95F32535}"/>
+              </a:ext>
+            </a:extLst>
+          </p:cNvPr>
+          <p:cNvPicPr>
+            <a:picLocks noChangeAspect="1"/>
+          </p:cNvPicPr>
+          <p:nvPr/>
+        </p:nvPicPr>
+        <p:blipFill>
+          <a:blip r:embed="rId2"/>
+          <a:stretch>
+            <a:fillRect/>
+          </a:stretch>
+        </p:blipFill>
+        <p:spPr>
+          <a:xfrm>
+            <a:off x="0" y="20313"/>
+            <a:ext cx="12192000" cy="6817373"/>
+          </a:xfrm>
+          <a:prstGeom prst="rect">
+            <a:avLst/>
+          </a:prstGeom>
+        </p:spPr>
+      </p:pic>
+    </p:spTree>
+    <p:extLst>
+      <p:ext uri="{BB962C8B-B14F-4D97-AF65-F5344CB8AC3E}">
+        <p14:creationId xmlns:p14="http://schemas.microsoft.com/office/powerpoint/2010/main" val="2348500610"/>
+      </p:ext>
+    </p:extLst>
+  </p:cSld>
+  <p:clrMapOvr>
+    <a:masterClrMapping/>
+  </p:clrMapOvr>
+</p:sld>
+</file>
+
+<file path=ppt/slides/slide5.xml><?xml version="1.0" encoding="utf-8"?>
+<p:sld xmlns:a="http://schemas.openxmlformats.org/drawingml/2006/main" xmlns:r="http://schemas.openxmlformats.org/officeDocument/2006/relationships" xmlns:p="http://schemas.openxmlformats.org/presentationml/2006/main">
+  <p:cSld>
+    <p:bg>
+      <p:bgPr>
+        <a:solidFill>
+          <a:schemeClr val="bg1"/>
+        </a:solidFill>
+        <a:effectLst/>
+      </p:bgPr>
+    </p:bg>
+    <p:spTree>
+      <p:nvGrpSpPr>
+        <p:cNvPr id="1" name=""/>
+        <p:cNvGrpSpPr/>
+        <p:nvPr/>
+      </p:nvGrpSpPr>
+      <p:grpSpPr>
+        <a:xfrm>
+          <a:off x="0" y="0"/>
+          <a:ext cx="0" cy="0"/>
+          <a:chOff x="0" y="0"/>
+          <a:chExt cx="0" cy="0"/>
+        </a:xfrm>
+      </p:grpSpPr>
+      <p:sp useBgFill="1">
+        <p:nvSpPr>
+          <p:cNvPr id="10" name="Rectangle 9">
+            <a:extLst>
+              <a:ext uri="{FF2B5EF4-FFF2-40B4-BE49-F238E27FC236}">
+                <a16:creationId xmlns:a16="http://schemas.microsoft.com/office/drawing/2014/main" id="{AB8C311F-7253-4AED-9701-7FC0708C41C7}"/>
+              </a:ext>
+              <a:ext uri="{C183D7F6-B498-43B3-948B-1728B52AA6E4}">
+                <adec:decorative xmlns:adec="http://schemas.microsoft.com/office/drawing/2017/decorative" val="1"/>
+              </a:ext>
+            </a:extLst>
+          </p:cNvPr>
+          <p:cNvSpPr>
+            <a:spLocks noGrp="1" noRot="1" noChangeAspect="1" noMove="1" noResize="1" noEditPoints="1" noAdjustHandles="1" noChangeArrowheads="1" noChangeShapeType="1" noTextEdit="1"/>
+          </p:cNvSpPr>
+          <p:nvPr>
+            <p:extLst>
+              <p:ext uri="{386F3935-93C4-4BCD-93E2-E3B085C9AB24}">
+                <p16:designElem xmlns:p16="http://schemas.microsoft.com/office/powerpoint/2015/main" val="1"/>
+              </p:ext>
+            </p:extLst>
+          </p:nvPr>
+        </p:nvSpPr>
+        <p:spPr>
+          <a:xfrm>
+            <a:off x="0" y="0"/>
+            <a:ext cx="12192000" cy="6858000"/>
+          </a:xfrm>
+          <a:prstGeom prst="rect">
+            <a:avLst/>
+          </a:prstGeom>
+          <a:ln w="12700" cap="flat" cmpd="sng" algn="ctr">
+            <a:noFill/>
+            <a:prstDash val="solid"/>
+            <a:miter lim="800000"/>
+          </a:ln>
+          <a:effectLst/>
+          <a:extLst>
+            <a:ext uri="{91240B29-F687-4F45-9708-019B960494DF}">
+              <a14:hiddenLine xmlns:a14="http://schemas.microsoft.com/office/drawing/2010/main" w="12700" cap="flat" cmpd="sng" algn="ctr">
+                <a:solidFill>
+                  <a:schemeClr val="accent1">
+                    <a:shade val="50000"/>
+                  </a:schemeClr>
+                </a:solidFill>
+                <a:prstDash val="solid"/>
+                <a:miter lim="800000"/>
+              </a14:hiddenLine>
+            </a:ext>
+          </a:extLst>
+        </p:spPr>
+        <p:style>
+          <a:lnRef idx="2">
+            <a:schemeClr val="accent1">
+              <a:shade val="50000"/>
+            </a:schemeClr>
+          </a:lnRef>
+          <a:fillRef idx="1">
+            <a:schemeClr val="accent1"/>
+          </a:fillRef>
+          <a:effectRef idx="0">
+            <a:schemeClr val="accent1"/>
+          </a:effectRef>
+          <a:fontRef idx="minor">
+            <a:schemeClr val="lt1"/>
+          </a:fontRef>
+        </p:style>
+        <p:txBody>
+          <a:bodyPr rtlCol="0" anchor="ctr"/>
+          <a:lstStyle/>
+          <a:p>
+            <a:pPr algn="ctr"/>
+            <a:endParaRPr lang="en-US"/>
+          </a:p>
+        </p:txBody>
+      </p:sp>
+      <p:sp>
+        <p:nvSpPr>
+          <p:cNvPr id="12" name="Rectangle 11">
+            <a:extLst>
+              <a:ext uri="{FF2B5EF4-FFF2-40B4-BE49-F238E27FC236}">
+                <a16:creationId xmlns:a16="http://schemas.microsoft.com/office/drawing/2014/main" id="{E2384209-CB15-4CDF-9D31-C44FD9A3F20D}"/>
+              </a:ext>
+              <a:ext uri="{C183D7F6-B498-43B3-948B-1728B52AA6E4}">
+                <adec:decorative xmlns:adec="http://schemas.microsoft.com/office/drawing/2017/decorative" val="1"/>
+              </a:ext>
+            </a:extLst>
+          </p:cNvPr>
+          <p:cNvSpPr>
+            <a:spLocks noGrp="1" noRot="1" noChangeAspect="1" noMove="1" noResize="1" noEditPoints="1" noAdjustHandles="1" noChangeArrowheads="1" noChangeShapeType="1" noTextEdit="1"/>
+          </p:cNvSpPr>
+          <p:nvPr>
+            <p:extLst>
+              <p:ext uri="{386F3935-93C4-4BCD-93E2-E3B085C9AB24}">
+                <p16:designElem xmlns:p16="http://schemas.microsoft.com/office/powerpoint/2015/main" val="1"/>
+              </p:ext>
+            </p:extLst>
+          </p:nvPr>
+        </p:nvSpPr>
+        <p:spPr>
+          <a:xfrm rot="16200000" flipH="1">
+            <a:off x="2666617" y="-2666188"/>
+            <a:ext cx="6858000" cy="12191233"/>
+          </a:xfrm>
+          <a:prstGeom prst="rect">
+            <a:avLst/>
+          </a:prstGeom>
+          <a:gradFill>
+            <a:gsLst>
+              <a:gs pos="8000">
+                <a:schemeClr val="accent1"/>
+              </a:gs>
+              <a:gs pos="100000">
+                <a:schemeClr val="accent1">
+                  <a:lumMod val="50000"/>
+                </a:schemeClr>
+              </a:gs>
+            </a:gsLst>
+            <a:lin ang="12000000" scaled="0"/>
+          </a:gradFill>
+          <a:ln>
+            <a:noFill/>
+          </a:ln>
+        </p:spPr>
+        <p:style>
+          <a:lnRef idx="2">
+            <a:schemeClr val="accent1">
+              <a:shade val="50000"/>
+            </a:schemeClr>
+          </a:lnRef>
+          <a:fillRef idx="1">
+            <a:schemeClr val="accent1"/>
+          </a:fillRef>
+          <a:effectRef idx="0">
+            <a:schemeClr val="accent1"/>
+          </a:effectRef>
+          <a:fontRef idx="minor">
+            <a:schemeClr val="lt1"/>
+          </a:fontRef>
+        </p:style>
+        <p:txBody>
+          <a:bodyPr rtlCol="0" anchor="ctr"/>
+          <a:lstStyle/>
+          <a:p>
+            <a:pPr algn="ctr"/>
+            <a:endParaRPr lang="en-US"/>
+          </a:p>
+        </p:txBody>
+      </p:sp>
+      <p:sp>
+        <p:nvSpPr>
+          <p:cNvPr id="14" name="Rectangle 13">
+            <a:extLst>
+              <a:ext uri="{FF2B5EF4-FFF2-40B4-BE49-F238E27FC236}">
+                <a16:creationId xmlns:a16="http://schemas.microsoft.com/office/drawing/2014/main" id="{2633B3B5-CC90-43F0-8714-D31D1F3F0209}"/>
+              </a:ext>
+              <a:ext uri="{C183D7F6-B498-43B3-948B-1728B52AA6E4}">
+                <adec:decorative xmlns:adec="http://schemas.microsoft.com/office/drawing/2017/decorative" val="1"/>
+              </a:ext>
+            </a:extLst>
+          </p:cNvPr>
+          <p:cNvSpPr>
+            <a:spLocks noGrp="1" noRot="1" noChangeAspect="1" noMove="1" noResize="1" noEditPoints="1" noAdjustHandles="1" noChangeArrowheads="1" noChangeShapeType="1" noTextEdit="1"/>
+          </p:cNvSpPr>
+          <p:nvPr>
+            <p:extLst>
+              <p:ext uri="{386F3935-93C4-4BCD-93E2-E3B085C9AB24}">
+                <p16:designElem xmlns:p16="http://schemas.microsoft.com/office/powerpoint/2015/main" val="1"/>
+              </p:ext>
+            </p:extLst>
+          </p:nvPr>
+        </p:nvSpPr>
+        <p:spPr>
+          <a:xfrm rot="10800000" flipH="1">
+            <a:off x="-2311" y="0"/>
+            <a:ext cx="9070846" cy="6857572"/>
+          </a:xfrm>
+          <a:prstGeom prst="rect">
+            <a:avLst/>
+          </a:prstGeom>
+          <a:gradFill>
+            <a:gsLst>
+              <a:gs pos="8000">
+                <a:srgbClr val="000000">
+                  <a:alpha val="52000"/>
+                </a:srgbClr>
+              </a:gs>
+              <a:gs pos="100000">
+                <a:schemeClr val="accent1"/>
+              </a:gs>
+            </a:gsLst>
+            <a:lin ang="4800000" scaled="0"/>
+          </a:gradFill>
+          <a:ln>
+            <a:noFill/>
+          </a:ln>
+        </p:spPr>
+        <p:style>
+          <a:lnRef idx="2">
+            <a:schemeClr val="accent1">
+              <a:shade val="50000"/>
+            </a:schemeClr>
+          </a:lnRef>
+          <a:fillRef idx="1">
+            <a:schemeClr val="accent1"/>
+          </a:fillRef>
+          <a:effectRef idx="0">
+            <a:schemeClr val="accent1"/>
+          </a:effectRef>
+          <a:fontRef idx="minor">
+            <a:schemeClr val="lt1"/>
+          </a:fontRef>
+        </p:style>
+        <p:txBody>
+          <a:bodyPr rtlCol="0" anchor="ctr"/>
+          <a:lstStyle/>
+          <a:p>
+            <a:pPr algn="ctr"/>
+            <a:endParaRPr lang="en-US"/>
+          </a:p>
+        </p:txBody>
+      </p:sp>
+      <p:sp>
+        <p:nvSpPr>
+          <p:cNvPr id="16" name="Rectangle 15">
+            <a:extLst>
+              <a:ext uri="{FF2B5EF4-FFF2-40B4-BE49-F238E27FC236}">
+                <a16:creationId xmlns:a16="http://schemas.microsoft.com/office/drawing/2014/main" id="{A8D57A06-A426-446D-B02C-A2DC6B62E45E}"/>
+              </a:ext>
+              <a:ext uri="{C183D7F6-B498-43B3-948B-1728B52AA6E4}">
+                <adec:decorative xmlns:adec="http://schemas.microsoft.com/office/drawing/2017/decorative" val="1"/>
+              </a:ext>
+            </a:extLst>
+          </p:cNvPr>
+          <p:cNvSpPr>
+            <a:spLocks noGrp="1" noRot="1" noChangeAspect="1" noMove="1" noResize="1" noEditPoints="1" noAdjustHandles="1" noChangeArrowheads="1" noChangeShapeType="1" noTextEdit="1"/>
+          </p:cNvSpPr>
+          <p:nvPr>
+            <p:extLst>
+              <p:ext uri="{386F3935-93C4-4BCD-93E2-E3B085C9AB24}">
+                <p16:designElem xmlns:p16="http://schemas.microsoft.com/office/powerpoint/2015/main" val="1"/>
+              </p:ext>
+            </p:extLst>
+          </p:nvPr>
+        </p:nvSpPr>
+        <p:spPr>
+          <a:xfrm rot="16200000" flipH="1">
+            <a:off x="3649491" y="-1685840"/>
+            <a:ext cx="4894564" cy="12193546"/>
+          </a:xfrm>
+          <a:prstGeom prst="rect">
+            <a:avLst/>
+          </a:prstGeom>
+          <a:gradFill>
+            <a:gsLst>
+              <a:gs pos="0">
+                <a:schemeClr val="accent5">
+                  <a:lumMod val="60000"/>
+                  <a:lumOff val="40000"/>
+                  <a:alpha val="0"/>
+                </a:schemeClr>
+              </a:gs>
+              <a:gs pos="100000">
+                <a:srgbClr val="000000">
+                  <a:alpha val="46000"/>
+                </a:srgbClr>
+              </a:gs>
+            </a:gsLst>
+            <a:lin ang="1200000" scaled="0"/>
+          </a:gradFill>
+          <a:ln>
+            <a:noFill/>
+          </a:ln>
+        </p:spPr>
+        <p:style>
+          <a:lnRef idx="2">
+            <a:schemeClr val="accent1">
+              <a:shade val="50000"/>
+            </a:schemeClr>
+          </a:lnRef>
+          <a:fillRef idx="1">
+            <a:schemeClr val="accent1"/>
+          </a:fillRef>
+          <a:effectRef idx="0">
+            <a:schemeClr val="accent1"/>
+          </a:effectRef>
+          <a:fontRef idx="minor">
+            <a:schemeClr val="lt1"/>
+          </a:fontRef>
+        </p:style>
+        <p:txBody>
+          <a:bodyPr rtlCol="0" anchor="ctr"/>
+          <a:lstStyle/>
+          <a:p>
+            <a:pPr algn="ctr"/>
+            <a:endParaRPr lang="en-US"/>
+          </a:p>
+        </p:txBody>
+      </p:sp>
+      <p:pic>
+        <p:nvPicPr>
+          <p:cNvPr id="5" name="Content Placeholder 4">
+            <a:extLst>
+              <a:ext uri="{FF2B5EF4-FFF2-40B4-BE49-F238E27FC236}">
+                <a16:creationId xmlns:a16="http://schemas.microsoft.com/office/drawing/2014/main" id="{4338CEEE-49A3-1BBD-5119-F06305FFE65B}"/>
+              </a:ext>
+            </a:extLst>
+          </p:cNvPr>
+          <p:cNvPicPr>
+            <a:picLocks noGrp="1" noChangeAspect="1"/>
+          </p:cNvPicPr>
+          <p:nvPr>
+            <p:ph idx="1"/>
+          </p:nvPr>
+        </p:nvPicPr>
+        <p:blipFill>
+          <a:blip r:embed="rId2"/>
+          <a:stretch>
+            <a:fillRect/>
+          </a:stretch>
+        </p:blipFill>
+        <p:spPr>
+          <a:xfrm>
+            <a:off x="457200" y="694182"/>
+            <a:ext cx="11277600" cy="5469635"/>
+          </a:xfrm>
+          <a:prstGeom prst="rect">
+            <a:avLst/>
+          </a:prstGeom>
+        </p:spPr>
+      </p:pic>
+    </p:spTree>
+    <p:extLst>
+      <p:ext uri="{BB962C8B-B14F-4D97-AF65-F5344CB8AC3E}">
+        <p14:creationId xmlns:p14="http://schemas.microsoft.com/office/powerpoint/2010/main" val="3766946578"/>
+      </p:ext>
+    </p:extLst>
+  </p:cSld>
+  <p:clrMapOvr>
+    <a:masterClrMapping/>
+  </p:clrMapOvr>
+</p:sld>
+</file>
+
+<file path=ppt/slides/slide6.xml><?xml version="1.0" encoding="utf-8"?>
+<p:sld xmlns:a="http://schemas.openxmlformats.org/drawingml/2006/main" xmlns:r="http://schemas.openxmlformats.org/officeDocument/2006/relationships" xmlns:p="http://schemas.openxmlformats.org/presentationml/2006/main">
+  <p:cSld>
+    <p:bg>
+      <p:bgPr>
+        <a:solidFill>
+          <a:schemeClr val="bg1"/>
+        </a:solidFill>
+        <a:effectLst/>
+      </p:bgPr>
+    </p:bg>
+    <p:spTree>
+      <p:nvGrpSpPr>
+        <p:cNvPr id="1" name=""/>
+        <p:cNvGrpSpPr/>
+        <p:nvPr/>
+      </p:nvGrpSpPr>
+      <p:grpSpPr>
+        <a:xfrm>
+          <a:off x="0" y="0"/>
+          <a:ext cx="0" cy="0"/>
+          <a:chOff x="0" y="0"/>
+          <a:chExt cx="0" cy="0"/>
+        </a:xfrm>
+      </p:grpSpPr>
+      <p:sp useBgFill="1">
+        <p:nvSpPr>
+          <p:cNvPr id="10" name="Rectangle 9">
+            <a:extLst>
+              <a:ext uri="{FF2B5EF4-FFF2-40B4-BE49-F238E27FC236}">
+                <a16:creationId xmlns:a16="http://schemas.microsoft.com/office/drawing/2014/main" id="{22F15A2D-2324-487D-A02A-BF46C5C580EB}"/>
+              </a:ext>
+              <a:ext uri="{C183D7F6-B498-43B3-948B-1728B52AA6E4}">
+                <adec:decorative xmlns:adec="http://schemas.microsoft.com/office/drawing/2017/decorative" val="1"/>
+              </a:ext>
+            </a:extLst>
+          </p:cNvPr>
+          <p:cNvSpPr>
+            <a:spLocks noGrp="1" noRot="1" noChangeAspect="1" noMove="1" noResize="1" noEditPoints="1" noAdjustHandles="1" noChangeArrowheads="1" noChangeShapeType="1" noTextEdit="1"/>
+          </p:cNvSpPr>
+          <p:nvPr>
+            <p:extLst>
+              <p:ext uri="{386F3935-93C4-4BCD-93E2-E3B085C9AB24}">
+                <p16:designElem xmlns:p16="http://schemas.microsoft.com/office/powerpoint/2015/main" val="1"/>
+              </p:ext>
+            </p:extLst>
+          </p:nvPr>
+        </p:nvSpPr>
+        <p:spPr>
+          <a:xfrm>
+            <a:off x="0" y="0"/>
+            <a:ext cx="12192000" cy="6858000"/>
+          </a:xfrm>
+          <a:prstGeom prst="rect">
+            <a:avLst/>
+          </a:prstGeom>
+          <a:ln>
+            <a:noFill/>
+          </a:ln>
+        </p:spPr>
+        <p:style>
+          <a:lnRef idx="2">
+            <a:schemeClr val="accent1">
+              <a:shade val="50000"/>
+            </a:schemeClr>
+          </a:lnRef>
+          <a:fillRef idx="1">
+            <a:schemeClr val="accent1"/>
+          </a:fillRef>
+          <a:effectRef idx="0">
+            <a:schemeClr val="accent1"/>
+          </a:effectRef>
+          <a:fontRef idx="minor">
+            <a:schemeClr val="lt1"/>
+          </a:fontRef>
+        </p:style>
+        <p:txBody>
+          <a:bodyPr rtlCol="0" anchor="ctr"/>
+          <a:lstStyle/>
+          <a:p>
+            <a:pPr algn="ctr"/>
+            <a:endParaRPr lang="en-US"/>
+          </a:p>
+        </p:txBody>
+      </p:sp>
+      <p:sp>
+        <p:nvSpPr>
+          <p:cNvPr id="12" name="Freeform: Shape 11">
+            <a:extLst>
+              <a:ext uri="{FF2B5EF4-FFF2-40B4-BE49-F238E27FC236}">
+                <a16:creationId xmlns:a16="http://schemas.microsoft.com/office/drawing/2014/main" id="{17A7F34E-D418-47E2-9F86-2C45BBC31210}"/>
+              </a:ext>
+              <a:ext uri="{C183D7F6-B498-43B3-948B-1728B52AA6E4}">
+                <adec:decorative xmlns:adec="http://schemas.microsoft.com/office/drawing/2017/decorative" val="1"/>
+              </a:ext>
+            </a:extLst>
+          </p:cNvPr>
+          <p:cNvSpPr>
+            <a:spLocks noGrp="1" noRot="1" noChangeAspect="1" noMove="1" noResize="1" noEditPoints="1" noAdjustHandles="1" noChangeArrowheads="1" noChangeShapeType="1" noTextEdit="1"/>
+          </p:cNvSpPr>
+          <p:nvPr>
+            <p:extLst>
+              <p:ext uri="{386F3935-93C4-4BCD-93E2-E3B085C9AB24}">
+                <p16:designElem xmlns:p16="http://schemas.microsoft.com/office/powerpoint/2015/main" val="1"/>
+              </p:ext>
+            </p:extLst>
+          </p:nvPr>
+        </p:nvSpPr>
+        <p:spPr>
+          <a:xfrm>
+            <a:off x="321732" y="321733"/>
+            <a:ext cx="11546828" cy="6214534"/>
+          </a:xfrm>
+          <a:custGeom>
+            <a:avLst/>
+            <a:gdLst>
+              <a:gd name="connsiteX0" fmla="*/ 0 w 11546828"/>
+              <a:gd name="connsiteY0" fmla="*/ 0 h 6214534"/>
+              <a:gd name="connsiteX1" fmla="*/ 7965430 w 11546828"/>
+              <a:gd name="connsiteY1" fmla="*/ 0 h 6214534"/>
+              <a:gd name="connsiteX2" fmla="*/ 7965430 w 11546828"/>
+              <a:gd name="connsiteY2" fmla="*/ 1786 h 6214534"/>
+              <a:gd name="connsiteX3" fmla="*/ 11546828 w 11546828"/>
+              <a:gd name="connsiteY3" fmla="*/ 1786 h 6214534"/>
+              <a:gd name="connsiteX4" fmla="*/ 11546828 w 11546828"/>
+              <a:gd name="connsiteY4" fmla="*/ 2866740 h 6214534"/>
+              <a:gd name="connsiteX5" fmla="*/ 11225095 w 11546828"/>
+              <a:gd name="connsiteY5" fmla="*/ 3179536 h 6214534"/>
+              <a:gd name="connsiteX6" fmla="*/ 11225095 w 11546828"/>
+              <a:gd name="connsiteY6" fmla="*/ 301542 h 6214534"/>
+              <a:gd name="connsiteX7" fmla="*/ 320042 w 11546828"/>
+              <a:gd name="connsiteY7" fmla="*/ 301542 h 6214534"/>
+              <a:gd name="connsiteX8" fmla="*/ 320042 w 11546828"/>
+              <a:gd name="connsiteY8" fmla="*/ 5909424 h 6214534"/>
+              <a:gd name="connsiteX9" fmla="*/ 8417210 w 11546828"/>
+              <a:gd name="connsiteY9" fmla="*/ 5909424 h 6214534"/>
+              <a:gd name="connsiteX10" fmla="*/ 8103383 w 11546828"/>
+              <a:gd name="connsiteY10" fmla="*/ 6214534 h 6214534"/>
+              <a:gd name="connsiteX11" fmla="*/ 7222929 w 11546828"/>
+              <a:gd name="connsiteY11" fmla="*/ 6214534 h 6214534"/>
+              <a:gd name="connsiteX12" fmla="*/ 7222929 w 11546828"/>
+              <a:gd name="connsiteY12" fmla="*/ 6212748 h 6214534"/>
+              <a:gd name="connsiteX13" fmla="*/ 0 w 11546828"/>
+              <a:gd name="connsiteY13" fmla="*/ 6212748 h 6214534"/>
+            </a:gdLst>
+            <a:ahLst/>
+            <a:cxnLst>
+              <a:cxn ang="0">
+                <a:pos x="connsiteX0" y="connsiteY0"/>
+              </a:cxn>
+              <a:cxn ang="0">
+                <a:pos x="connsiteX1" y="connsiteY1"/>
+              </a:cxn>
+              <a:cxn ang="0">
+                <a:pos x="connsiteX2" y="connsiteY2"/>
+              </a:cxn>
+              <a:cxn ang="0">
+                <a:pos x="connsiteX3" y="connsiteY3"/>
+              </a:cxn>
+              <a:cxn ang="0">
+                <a:pos x="connsiteX4" y="connsiteY4"/>
+              </a:cxn>
+              <a:cxn ang="0">
+                <a:pos x="connsiteX5" y="connsiteY5"/>
+              </a:cxn>
+              <a:cxn ang="0">
+                <a:pos x="connsiteX6" y="connsiteY6"/>
+              </a:cxn>
+              <a:cxn ang="0">
+                <a:pos x="connsiteX7" y="connsiteY7"/>
+              </a:cxn>
+              <a:cxn ang="0">
+                <a:pos x="connsiteX8" y="connsiteY8"/>
+              </a:cxn>
+              <a:cxn ang="0">
+                <a:pos x="connsiteX9" y="connsiteY9"/>
+              </a:cxn>
+              <a:cxn ang="0">
+                <a:pos x="connsiteX10" y="connsiteY10"/>
+              </a:cxn>
+              <a:cxn ang="0">
+                <a:pos x="connsiteX11" y="connsiteY11"/>
+              </a:cxn>
+              <a:cxn ang="0">
+                <a:pos x="connsiteX12" y="connsiteY12"/>
+              </a:cxn>
+              <a:cxn ang="0">
+                <a:pos x="connsiteX13" y="connsiteY13"/>
+              </a:cxn>
+            </a:cxnLst>
+            <a:rect l="l" t="t" r="r" b="b"/>
+            <a:pathLst>
+              <a:path w="11546828" h="6214534">
+                <a:moveTo>
+                  <a:pt x="0" y="0"/>
+                </a:moveTo>
+                <a:lnTo>
+                  <a:pt x="7965430" y="0"/>
+                </a:lnTo>
+                <a:lnTo>
+                  <a:pt x="7965430" y="1786"/>
+                </a:lnTo>
+                <a:lnTo>
+                  <a:pt x="11546828" y="1786"/>
+                </a:lnTo>
+                <a:lnTo>
+                  <a:pt x="11546828" y="2866740"/>
+                </a:lnTo>
+                <a:lnTo>
+                  <a:pt x="11225095" y="3179536"/>
+                </a:lnTo>
+                <a:lnTo>
+                  <a:pt x="11225095" y="301542"/>
+                </a:lnTo>
+                <a:lnTo>
+                  <a:pt x="320042" y="301542"/>
+                </a:lnTo>
+                <a:lnTo>
+                  <a:pt x="320042" y="5909424"/>
+                </a:lnTo>
+                <a:lnTo>
+                  <a:pt x="8417210" y="5909424"/>
+                </a:lnTo>
+                <a:lnTo>
+                  <a:pt x="8103383" y="6214534"/>
+                </a:lnTo>
+                <a:lnTo>
+                  <a:pt x="7222929" y="6214534"/>
+                </a:lnTo>
+                <a:lnTo>
+                  <a:pt x="7222929" y="6212748"/>
+                </a:lnTo>
+                <a:lnTo>
+                  <a:pt x="0" y="6212748"/>
+                </a:lnTo>
+                <a:close/>
+              </a:path>
+            </a:pathLst>
+          </a:custGeom>
+          <a:solidFill>
+            <a:schemeClr val="tx1">
+              <a:lumMod val="50000"/>
+              <a:lumOff val="50000"/>
+              <a:alpha val="25000"/>
+            </a:schemeClr>
+          </a:solidFill>
+          <a:ln>
+            <a:noFill/>
+          </a:ln>
+        </p:spPr>
+        <p:style>
+          <a:lnRef idx="2">
+            <a:schemeClr val="accent1">
+              <a:shade val="50000"/>
+            </a:schemeClr>
+          </a:lnRef>
+          <a:fillRef idx="1">
+            <a:schemeClr val="accent1"/>
+          </a:fillRef>
+          <a:effectRef idx="0">
+            <a:schemeClr val="accent1"/>
+          </a:effectRef>
+          <a:fontRef idx="minor">
+            <a:schemeClr val="lt1"/>
+          </a:fontRef>
+        </p:style>
+        <p:txBody>
+          <a:bodyPr wrap="square" rtlCol="0" anchor="ctr">
+            <a:noAutofit/>
+          </a:bodyPr>
+          <a:lstStyle/>
+          <a:p>
+            <a:pPr algn="ctr"/>
+            <a:endParaRPr lang="en-US"/>
+          </a:p>
+        </p:txBody>
+      </p:sp>
+      <p:sp>
+        <p:nvSpPr>
+          <p:cNvPr id="14" name="Right Triangle 13">
+            <a:extLst>
+              <a:ext uri="{FF2B5EF4-FFF2-40B4-BE49-F238E27FC236}">
+                <a16:creationId xmlns:a16="http://schemas.microsoft.com/office/drawing/2014/main" id="{2AEAFA59-923A-4F54-8B49-44C970BCC323}"/>
+              </a:ext>
+              <a:ext uri="{C183D7F6-B498-43B3-948B-1728B52AA6E4}">
+                <adec:decorative xmlns:adec="http://schemas.microsoft.com/office/drawing/2017/decorative" val="1"/>
+              </a:ext>
+            </a:extLst>
+          </p:cNvPr>
+          <p:cNvSpPr>
+            <a:spLocks noGrp="1" noRot="1" noChangeAspect="1" noMove="1" noResize="1" noEditPoints="1" noAdjustHandles="1" noChangeArrowheads="1" noChangeShapeType="1" noTextEdit="1"/>
+          </p:cNvSpPr>
+          <p:nvPr>
+            <p:extLst>
+              <p:ext uri="{386F3935-93C4-4BCD-93E2-E3B085C9AB24}">
+                <p16:designElem xmlns:p16="http://schemas.microsoft.com/office/powerpoint/2015/main" val="1"/>
+              </p:ext>
+            </p:extLst>
+          </p:nvPr>
+        </p:nvSpPr>
+        <p:spPr>
+          <a:xfrm flipH="1">
+            <a:off x="8576720" y="3335867"/>
+            <a:ext cx="3291840" cy="3200400"/>
+          </a:xfrm>
+          <a:prstGeom prst="rtTriangle">
+            <a:avLst/>
+          </a:prstGeom>
+          <a:solidFill>
+            <a:schemeClr val="accent4"/>
+          </a:solidFill>
+          <a:ln>
+            <a:noFill/>
+          </a:ln>
+        </p:spPr>
+        <p:style>
+          <a:lnRef idx="2">
+            <a:schemeClr val="accent1">
+              <a:shade val="50000"/>
+            </a:schemeClr>
+          </a:lnRef>
+          <a:fillRef idx="1">
+            <a:schemeClr val="accent1"/>
+          </a:fillRef>
+          <a:effectRef idx="0">
+            <a:schemeClr val="accent1"/>
+          </a:effectRef>
+          <a:fontRef idx="minor">
+            <a:schemeClr val="lt1"/>
+          </a:fontRef>
+        </p:style>
+        <p:txBody>
+          <a:bodyPr rtlCol="0" anchor="ctr"/>
+          <a:lstStyle/>
+          <a:p>
+            <a:pPr algn="ctr"/>
+            <a:endParaRPr lang="en-US" dirty="0"/>
+          </a:p>
+        </p:txBody>
+      </p:sp>
+      <p:pic>
+        <p:nvPicPr>
+          <p:cNvPr id="5" name="Picture 4">
+            <a:extLst>
+              <a:ext uri="{FF2B5EF4-FFF2-40B4-BE49-F238E27FC236}">
+                <a16:creationId xmlns:a16="http://schemas.microsoft.com/office/drawing/2014/main" id="{08BC3122-F8E6-77C9-6118-EA548E3C4151}"/>
+              </a:ext>
+            </a:extLst>
+          </p:cNvPr>
+          <p:cNvPicPr>
+            <a:picLocks noChangeAspect="1"/>
+          </p:cNvPicPr>
+          <p:nvPr/>
+        </p:nvPicPr>
+        <p:blipFill>
+          <a:blip r:embed="rId2"/>
+          <a:stretch>
+            <a:fillRect/>
+          </a:stretch>
+        </p:blipFill>
+        <p:spPr>
+          <a:xfrm>
+            <a:off x="962163" y="1519953"/>
+            <a:ext cx="7746709" cy="3776519"/>
+          </a:xfrm>
+          <a:prstGeom prst="rect">
+            <a:avLst/>
+          </a:prstGeom>
+        </p:spPr>
+      </p:pic>
+    </p:spTree>
+    <p:extLst>
+      <p:ext uri="{BB962C8B-B14F-4D97-AF65-F5344CB8AC3E}">
+        <p14:creationId xmlns:p14="http://schemas.microsoft.com/office/powerpoint/2010/main" val="353169055"/>
+      </p:ext>
+    </p:extLst>
+  </p:cSld>
+  <p:clrMapOvr>
+    <a:masterClrMapping/>
+  </p:clrMapOvr>
+</p:sld>
+</file>
+
+<file path=ppt/slides/slide7.xml><?xml version="1.0" encoding="utf-8"?>
+<p:sld xmlns:a="http://schemas.openxmlformats.org/drawingml/2006/main" xmlns:r="http://schemas.openxmlformats.org/officeDocument/2006/relationships" xmlns:p="http://schemas.openxmlformats.org/presentationml/2006/main">
+  <p:cSld>
+    <p:bg>
+      <p:bgPr>
+        <a:solidFill>
+          <a:schemeClr val="bg1"/>
+        </a:solidFill>
+        <a:effectLst/>
+      </p:bgPr>
+    </p:bg>
+    <p:spTree>
+      <p:nvGrpSpPr>
+        <p:cNvPr id="1" name=""/>
+        <p:cNvGrpSpPr/>
+        <p:nvPr/>
+      </p:nvGrpSpPr>
+      <p:grpSpPr>
+        <a:xfrm>
+          <a:off x="0" y="0"/>
+          <a:ext cx="0" cy="0"/>
+          <a:chOff x="0" y="0"/>
+          <a:chExt cx="0" cy="0"/>
+        </a:xfrm>
+      </p:grpSpPr>
+      <p:sp>
+        <p:nvSpPr>
+          <p:cNvPr id="10" name="Rectangle 9">
+            <a:extLst>
+              <a:ext uri="{FF2B5EF4-FFF2-40B4-BE49-F238E27FC236}">
+                <a16:creationId xmlns:a16="http://schemas.microsoft.com/office/drawing/2014/main" id="{F3060C83-F051-4F0E-ABAD-AA0DFC48B218}"/>
+              </a:ext>
+              <a:ext uri="{C183D7F6-B498-43B3-948B-1728B52AA6E4}">
+                <adec:decorative xmlns:adec="http://schemas.microsoft.com/office/drawing/2017/decorative" val="1"/>
+              </a:ext>
+            </a:extLst>
+          </p:cNvPr>
+          <p:cNvSpPr>
+            <a:spLocks noGrp="1" noRot="1" noChangeAspect="1" noMove="1" noResize="1" noEditPoints="1" noAdjustHandles="1" noChangeArrowheads="1" noChangeShapeType="1" noTextEdit="1"/>
+          </p:cNvSpPr>
+          <p:nvPr>
+            <p:extLst>
+              <p:ext uri="{386F3935-93C4-4BCD-93E2-E3B085C9AB24}">
+                <p16:designElem xmlns:p16="http://schemas.microsoft.com/office/powerpoint/2015/main" val="1"/>
+              </p:ext>
+            </p:extLst>
+          </p:nvPr>
+        </p:nvSpPr>
+        <p:spPr>
+          <a:xfrm>
+            <a:off x="0" y="0"/>
+            <a:ext cx="12192000" cy="6858000"/>
+          </a:xfrm>
+          <a:prstGeom prst="rect">
+            <a:avLst/>
+          </a:prstGeom>
+          <a:solidFill>
+            <a:schemeClr val="bg1"/>
+          </a:solidFill>
+          <a:ln>
+            <a:noFill/>
+          </a:ln>
+        </p:spPr>
+        <p:style>
+          <a:lnRef idx="2">
+            <a:schemeClr val="accent1">
+              <a:shade val="50000"/>
+            </a:schemeClr>
+          </a:lnRef>
+          <a:fillRef idx="1">
+            <a:schemeClr val="accent1"/>
+          </a:fillRef>
+          <a:effectRef idx="0">
+            <a:schemeClr val="accent1"/>
+          </a:effectRef>
+          <a:fontRef idx="minor">
+            <a:schemeClr val="lt1"/>
+          </a:fontRef>
+        </p:style>
+        <p:txBody>
+          <a:bodyPr rtlCol="0" anchor="ctr"/>
+          <a:lstStyle/>
+          <a:p>
+            <a:pPr algn="ctr"/>
+            <a:endParaRPr lang="en-US" dirty="0"/>
+          </a:p>
+        </p:txBody>
+      </p:sp>
+      <p:sp>
+        <p:nvSpPr>
+          <p:cNvPr id="12" name="Freeform: Shape 11">
+            <a:extLst>
+              <a:ext uri="{FF2B5EF4-FFF2-40B4-BE49-F238E27FC236}">
+                <a16:creationId xmlns:a16="http://schemas.microsoft.com/office/drawing/2014/main" id="{83C98ABE-055B-441F-B07E-44F97F083C39}"/>
+              </a:ext>
+              <a:ext uri="{C183D7F6-B498-43B3-948B-1728B52AA6E4}">
+                <adec:decorative xmlns:adec="http://schemas.microsoft.com/office/drawing/2017/decorative" val="1"/>
+              </a:ext>
+            </a:extLst>
+          </p:cNvPr>
+          <p:cNvSpPr>
+            <a:spLocks noGrp="1" noRot="1" noChangeAspect="1" noMove="1" noResize="1" noEditPoints="1" noAdjustHandles="1" noChangeArrowheads="1" noChangeShapeType="1" noTextEdit="1"/>
+          </p:cNvSpPr>
+          <p:nvPr>
+            <p:extLst>
+              <p:ext uri="{386F3935-93C4-4BCD-93E2-E3B085C9AB24}">
+                <p16:designElem xmlns:p16="http://schemas.microsoft.com/office/powerpoint/2015/main" val="1"/>
+              </p:ext>
+            </p:extLst>
+          </p:nvPr>
+        </p:nvSpPr>
+        <p:spPr>
+          <a:xfrm rot="18900000" flipH="1">
+            <a:off x="-376156" y="-253670"/>
+            <a:ext cx="1827638" cy="1376989"/>
+          </a:xfrm>
+          <a:custGeom>
+            <a:avLst/>
+            <a:gdLst>
+              <a:gd name="connsiteX0" fmla="*/ 0 w 1827638"/>
+              <a:gd name="connsiteY0" fmla="*/ 987379 h 1376989"/>
+              <a:gd name="connsiteX1" fmla="*/ 987379 w 1827638"/>
+              <a:gd name="connsiteY1" fmla="*/ 0 h 1376989"/>
+              <a:gd name="connsiteX2" fmla="*/ 1827638 w 1827638"/>
+              <a:gd name="connsiteY2" fmla="*/ 840260 h 1376989"/>
+              <a:gd name="connsiteX3" fmla="*/ 1827638 w 1827638"/>
+              <a:gd name="connsiteY3" fmla="*/ 1376989 h 1376989"/>
+              <a:gd name="connsiteX4" fmla="*/ 0 w 1827638"/>
+              <a:gd name="connsiteY4" fmla="*/ 1376989 h 1376989"/>
+            </a:gdLst>
+            <a:ahLst/>
+            <a:cxnLst>
+              <a:cxn ang="0">
+                <a:pos x="connsiteX0" y="connsiteY0"/>
+              </a:cxn>
+              <a:cxn ang="0">
+                <a:pos x="connsiteX1" y="connsiteY1"/>
+              </a:cxn>
+              <a:cxn ang="0">
+                <a:pos x="connsiteX2" y="connsiteY2"/>
+              </a:cxn>
+              <a:cxn ang="0">
+                <a:pos x="connsiteX3" y="connsiteY3"/>
+              </a:cxn>
+              <a:cxn ang="0">
+                <a:pos x="connsiteX4" y="connsiteY4"/>
+              </a:cxn>
+            </a:cxnLst>
+            <a:rect l="l" t="t" r="r" b="b"/>
+            <a:pathLst>
+              <a:path w="1827638" h="1376989">
+                <a:moveTo>
+                  <a:pt x="0" y="987379"/>
+                </a:moveTo>
+                <a:lnTo>
+                  <a:pt x="987379" y="0"/>
+                </a:lnTo>
+                <a:lnTo>
+                  <a:pt x="1827638" y="840260"/>
+                </a:lnTo>
+                <a:lnTo>
+                  <a:pt x="1827638" y="1376989"/>
+                </a:lnTo>
+                <a:lnTo>
+                  <a:pt x="0" y="1376989"/>
+                </a:lnTo>
+                <a:close/>
+              </a:path>
+            </a:pathLst>
+          </a:custGeom>
+          <a:solidFill>
+            <a:schemeClr val="accent1">
+              <a:alpha val="30000"/>
+            </a:schemeClr>
+          </a:solidFill>
+          <a:ln>
+            <a:noFill/>
+          </a:ln>
+        </p:spPr>
+        <p:style>
+          <a:lnRef idx="2">
+            <a:schemeClr val="accent1">
+              <a:shade val="50000"/>
+            </a:schemeClr>
+          </a:lnRef>
+          <a:fillRef idx="1">
+            <a:schemeClr val="accent1"/>
+          </a:fillRef>
+          <a:effectRef idx="0">
+            <a:schemeClr val="accent1"/>
+          </a:effectRef>
+          <a:fontRef idx="minor">
+            <a:schemeClr val="lt1"/>
+          </a:fontRef>
+        </p:style>
+        <p:txBody>
+          <a:bodyPr rtlCol="0" anchor="ctr"/>
+          <a:lstStyle/>
+          <a:p>
+            <a:pPr algn="ctr"/>
+            <a:endParaRPr lang="en-US" dirty="0"/>
+          </a:p>
+        </p:txBody>
+      </p:sp>
+      <p:sp>
+        <p:nvSpPr>
+          <p:cNvPr id="14" name="Rectangle 13">
+            <a:extLst>
+              <a:ext uri="{FF2B5EF4-FFF2-40B4-BE49-F238E27FC236}">
+                <a16:creationId xmlns:a16="http://schemas.microsoft.com/office/drawing/2014/main" id="{29FDB030-9B49-4CED-8CCD-4D99382388AC}"/>
+              </a:ext>
+              <a:ext uri="{C183D7F6-B498-43B3-948B-1728B52AA6E4}">
+                <adec:decorative xmlns:adec="http://schemas.microsoft.com/office/drawing/2017/decorative" val="1"/>
+              </a:ext>
+            </a:extLst>
+          </p:cNvPr>
+          <p:cNvSpPr>
+            <a:spLocks noGrp="1" noRot="1" noChangeAspect="1" noMove="1" noResize="1" noEditPoints="1" noAdjustHandles="1" noChangeArrowheads="1" noChangeShapeType="1" noTextEdit="1"/>
+          </p:cNvSpPr>
+          <p:nvPr>
+            <p:extLst>
+              <p:ext uri="{386F3935-93C4-4BCD-93E2-E3B085C9AB24}">
+                <p16:designElem xmlns:p16="http://schemas.microsoft.com/office/powerpoint/2015/main" val="1"/>
+              </p:ext>
+            </p:extLst>
+          </p:nvPr>
+        </p:nvSpPr>
+        <p:spPr>
+          <a:xfrm rot="18900000" flipH="1">
+            <a:off x="891641" y="422146"/>
+            <a:ext cx="645368" cy="645368"/>
+          </a:xfrm>
+          <a:prstGeom prst="rect">
+            <a:avLst/>
+          </a:prstGeom>
+          <a:solidFill>
+            <a:schemeClr val="accent1">
+              <a:alpha val="30000"/>
+            </a:schemeClr>
+          </a:solidFill>
+          <a:ln>
+            <a:noFill/>
+          </a:ln>
+        </p:spPr>
+        <p:style>
+          <a:lnRef idx="2">
+            <a:schemeClr val="accent1">
+              <a:shade val="50000"/>
+            </a:schemeClr>
+          </a:lnRef>
+          <a:fillRef idx="1">
+            <a:schemeClr val="accent1"/>
+          </a:fillRef>
+          <a:effectRef idx="0">
+            <a:schemeClr val="accent1"/>
+          </a:effectRef>
+          <a:fontRef idx="minor">
+            <a:schemeClr val="lt1"/>
+          </a:fontRef>
+        </p:style>
+        <p:txBody>
+          <a:bodyPr rtlCol="0" anchor="ctr"/>
+          <a:lstStyle/>
+          <a:p>
+            <a:pPr algn="ctr"/>
+            <a:endParaRPr lang="en-US"/>
+          </a:p>
+        </p:txBody>
+      </p:sp>
+      <p:sp>
+        <p:nvSpPr>
+          <p:cNvPr id="16" name="Rectangle 15">
+            <a:extLst>
+              <a:ext uri="{FF2B5EF4-FFF2-40B4-BE49-F238E27FC236}">
+                <a16:creationId xmlns:a16="http://schemas.microsoft.com/office/drawing/2014/main" id="{3783CA14-24A1-485C-8B30-D6A5D87987AD}"/>
+              </a:ext>
+              <a:ext uri="{C183D7F6-B498-43B3-948B-1728B52AA6E4}">
+                <adec:decorative xmlns:adec="http://schemas.microsoft.com/office/drawing/2017/decorative" val="1"/>
+              </a:ext>
+            </a:extLst>
+          </p:cNvPr>
+          <p:cNvSpPr>
+            <a:spLocks noGrp="1" noRot="1" noChangeAspect="1" noMove="1" noResize="1" noEditPoints="1" noAdjustHandles="1" noChangeArrowheads="1" noChangeShapeType="1" noTextEdit="1"/>
+          </p:cNvSpPr>
+          <p:nvPr>
+            <p:extLst>
+              <p:ext uri="{386F3935-93C4-4BCD-93E2-E3B085C9AB24}">
+                <p16:designElem xmlns:p16="http://schemas.microsoft.com/office/powerpoint/2015/main" val="1"/>
+              </p:ext>
+            </p:extLst>
+          </p:nvPr>
+        </p:nvSpPr>
+        <p:spPr>
+          <a:xfrm rot="18900000" flipH="1">
+            <a:off x="10043482" y="655140"/>
+            <a:ext cx="687472" cy="687472"/>
+          </a:xfrm>
+          <a:prstGeom prst="rect">
+            <a:avLst/>
+          </a:prstGeom>
+          <a:solidFill>
+            <a:schemeClr val="accent4">
+              <a:alpha val="30000"/>
+            </a:schemeClr>
+          </a:solidFill>
+          <a:ln>
+            <a:noFill/>
+          </a:ln>
+        </p:spPr>
+        <p:style>
+          <a:lnRef idx="2">
+            <a:schemeClr val="accent1">
+              <a:shade val="50000"/>
+            </a:schemeClr>
+          </a:lnRef>
+          <a:fillRef idx="1">
+            <a:schemeClr val="accent1"/>
+          </a:fillRef>
+          <a:effectRef idx="0">
+            <a:schemeClr val="accent1"/>
+          </a:effectRef>
+          <a:fontRef idx="minor">
+            <a:schemeClr val="lt1"/>
+          </a:fontRef>
+        </p:style>
+        <p:txBody>
+          <a:bodyPr rtlCol="0" anchor="ctr"/>
+          <a:lstStyle/>
+          <a:p>
+            <a:pPr algn="ctr"/>
+            <a:endParaRPr lang="en-US"/>
+          </a:p>
+        </p:txBody>
+      </p:sp>
+      <p:sp>
+        <p:nvSpPr>
+          <p:cNvPr id="18" name="Freeform: Shape 17">
+            <a:extLst>
+              <a:ext uri="{FF2B5EF4-FFF2-40B4-BE49-F238E27FC236}">
+                <a16:creationId xmlns:a16="http://schemas.microsoft.com/office/drawing/2014/main" id="{9A97C86A-04D6-40F7-AE84-31AB43E6A846}"/>
+              </a:ext>
+              <a:ext uri="{C183D7F6-B498-43B3-948B-1728B52AA6E4}">
+                <adec:decorative xmlns:adec="http://schemas.microsoft.com/office/drawing/2017/decorative" val="1"/>
+              </a:ext>
+            </a:extLst>
+          </p:cNvPr>
+          <p:cNvSpPr>
+            <a:spLocks noGrp="1" noRot="1" noChangeAspect="1" noMove="1" noResize="1" noEditPoints="1" noAdjustHandles="1" noChangeArrowheads="1" noChangeShapeType="1" noTextEdit="1"/>
+          </p:cNvSpPr>
+          <p:nvPr>
+            <p:extLst>
+              <p:ext uri="{386F3935-93C4-4BCD-93E2-E3B085C9AB24}">
+                <p16:designElem xmlns:p16="http://schemas.microsoft.com/office/powerpoint/2015/main" val="1"/>
+              </p:ext>
+            </p:extLst>
+          </p:nvPr>
+        </p:nvSpPr>
+        <p:spPr>
+          <a:xfrm rot="10800000" flipH="1">
+            <a:off x="9356643" y="0"/>
+            <a:ext cx="2835357" cy="1480837"/>
+          </a:xfrm>
+          <a:custGeom>
+            <a:avLst/>
+            <a:gdLst>
+              <a:gd name="connsiteX0" fmla="*/ 2835357 w 2835357"/>
+              <a:gd name="connsiteY0" fmla="*/ 1480837 h 1480837"/>
+              <a:gd name="connsiteX1" fmla="*/ 0 w 2835357"/>
+              <a:gd name="connsiteY1" fmla="*/ 1480837 h 1480837"/>
+              <a:gd name="connsiteX2" fmla="*/ 1552727 w 2835357"/>
+              <a:gd name="connsiteY2" fmla="*/ 0 h 1480837"/>
+              <a:gd name="connsiteX3" fmla="*/ 2835357 w 2835357"/>
+              <a:gd name="connsiteY3" fmla="*/ 1223245 h 1480837"/>
+            </a:gdLst>
+            <a:ahLst/>
+            <a:cxnLst>
+              <a:cxn ang="0">
+                <a:pos x="connsiteX0" y="connsiteY0"/>
+              </a:cxn>
+              <a:cxn ang="0">
+                <a:pos x="connsiteX1" y="connsiteY1"/>
+              </a:cxn>
+              <a:cxn ang="0">
+                <a:pos x="connsiteX2" y="connsiteY2"/>
+              </a:cxn>
+              <a:cxn ang="0">
+                <a:pos x="connsiteX3" y="connsiteY3"/>
+              </a:cxn>
+            </a:cxnLst>
+            <a:rect l="l" t="t" r="r" b="b"/>
+            <a:pathLst>
+              <a:path w="2835357" h="1480837">
+                <a:moveTo>
+                  <a:pt x="2835357" y="1480837"/>
+                </a:moveTo>
+                <a:lnTo>
+                  <a:pt x="0" y="1480837"/>
+                </a:lnTo>
+                <a:lnTo>
+                  <a:pt x="1552727" y="0"/>
+                </a:lnTo>
+                <a:lnTo>
+                  <a:pt x="2835357" y="1223245"/>
+                </a:lnTo>
+                <a:close/>
+              </a:path>
+            </a:pathLst>
+          </a:custGeom>
+          <a:solidFill>
+            <a:schemeClr val="accent4">
+              <a:alpha val="30000"/>
+            </a:schemeClr>
+          </a:solidFill>
+          <a:ln>
+            <a:noFill/>
+          </a:ln>
+        </p:spPr>
+        <p:style>
+          <a:lnRef idx="2">
+            <a:schemeClr val="accent1">
+              <a:shade val="50000"/>
+            </a:schemeClr>
+          </a:lnRef>
+          <a:fillRef idx="1">
+            <a:schemeClr val="accent1"/>
+          </a:fillRef>
+          <a:effectRef idx="0">
+            <a:schemeClr val="accent1"/>
+          </a:effectRef>
+          <a:fontRef idx="minor">
+            <a:schemeClr val="lt1"/>
+          </a:fontRef>
+        </p:style>
+        <p:txBody>
+          <a:bodyPr wrap="square" rtlCol="0" anchor="ctr">
+            <a:noAutofit/>
+          </a:bodyPr>
+          <a:lstStyle/>
+          <a:p>
+            <a:pPr algn="ctr"/>
+            <a:endParaRPr lang="en-US" dirty="0"/>
+          </a:p>
+        </p:txBody>
+      </p:sp>
+      <p:sp>
+        <p:nvSpPr>
+          <p:cNvPr id="20" name="Isosceles Triangle 19">
+            <a:extLst>
+              <a:ext uri="{FF2B5EF4-FFF2-40B4-BE49-F238E27FC236}">
+                <a16:creationId xmlns:a16="http://schemas.microsoft.com/office/drawing/2014/main" id="{FF9F2414-84E8-453E-B1F3-389FDE8192D9}"/>
+              </a:ext>
+              <a:ext uri="{C183D7F6-B498-43B3-948B-1728B52AA6E4}">
+                <adec:decorative xmlns:adec="http://schemas.microsoft.com/office/drawing/2017/decorative" val="1"/>
+              </a:ext>
+            </a:extLst>
+          </p:cNvPr>
+          <p:cNvSpPr>
+            <a:spLocks noGrp="1" noRot="1" noChangeAspect="1" noMove="1" noResize="1" noEditPoints="1" noAdjustHandles="1" noChangeArrowheads="1" noChangeShapeType="1" noTextEdit="1"/>
+          </p:cNvSpPr>
+          <p:nvPr>
+            <p:extLst>
+              <p:ext uri="{386F3935-93C4-4BCD-93E2-E3B085C9AB24}">
+                <p16:designElem xmlns:p16="http://schemas.microsoft.com/office/powerpoint/2015/main" val="1"/>
+              </p:ext>
+            </p:extLst>
+          </p:nvPr>
+        </p:nvSpPr>
+        <p:spPr>
+          <a:xfrm flipH="1">
+            <a:off x="7976344" y="6115501"/>
+            <a:ext cx="1494513" cy="742499"/>
+          </a:xfrm>
+          <a:prstGeom prst="triangle">
+            <a:avLst/>
+          </a:prstGeom>
+          <a:solidFill>
+            <a:schemeClr val="accent1">
+              <a:alpha val="30000"/>
+            </a:schemeClr>
+          </a:solidFill>
+          <a:ln>
+            <a:noFill/>
+          </a:ln>
+        </p:spPr>
+        <p:style>
+          <a:lnRef idx="2">
+            <a:schemeClr val="accent1">
+              <a:shade val="50000"/>
+            </a:schemeClr>
+          </a:lnRef>
+          <a:fillRef idx="1">
+            <a:schemeClr val="accent1"/>
+          </a:fillRef>
+          <a:effectRef idx="0">
+            <a:schemeClr val="accent1"/>
+          </a:effectRef>
+          <a:fontRef idx="minor">
+            <a:schemeClr val="lt1"/>
+          </a:fontRef>
+        </p:style>
+        <p:txBody>
+          <a:bodyPr rtlCol="0" anchor="ctr"/>
+          <a:lstStyle/>
+          <a:p>
+            <a:pPr algn="ctr"/>
+            <a:endParaRPr lang="en-US"/>
+          </a:p>
+        </p:txBody>
+      </p:sp>
+      <p:pic>
+        <p:nvPicPr>
+          <p:cNvPr id="5" name="Picture 4">
+            <a:extLst>
+              <a:ext uri="{FF2B5EF4-FFF2-40B4-BE49-F238E27FC236}">
+                <a16:creationId xmlns:a16="http://schemas.microsoft.com/office/drawing/2014/main" id="{78B9FCDA-3595-2E17-A7AC-840203B3DFB0}"/>
+              </a:ext>
+            </a:extLst>
+          </p:cNvPr>
+          <p:cNvPicPr>
+            <a:picLocks noChangeAspect="1"/>
+          </p:cNvPicPr>
+          <p:nvPr/>
+        </p:nvPicPr>
+        <p:blipFill>
+          <a:blip r:embed="rId2"/>
+          <a:stretch>
+            <a:fillRect/>
+          </a:stretch>
+        </p:blipFill>
+        <p:spPr>
+          <a:xfrm>
+            <a:off x="643467" y="1234355"/>
+            <a:ext cx="10905066" cy="4389288"/>
+          </a:xfrm>
+          <a:prstGeom prst="rect">
+            <a:avLst/>
+          </a:prstGeom>
+          <a:ln>
+            <a:noFill/>
+          </a:ln>
+        </p:spPr>
+      </p:pic>
+      <p:sp>
+        <p:nvSpPr>
+          <p:cNvPr id="22" name="Isosceles Triangle 21">
+            <a:extLst>
+              <a:ext uri="{FF2B5EF4-FFF2-40B4-BE49-F238E27FC236}">
+                <a16:creationId xmlns:a16="http://schemas.microsoft.com/office/drawing/2014/main" id="{3ECA69A1-7536-43AC-85EF-C7106179F5ED}"/>
+              </a:ext>
+              <a:ext uri="{C183D7F6-B498-43B3-948B-1728B52AA6E4}">
+                <adec:decorative xmlns:adec="http://schemas.microsoft.com/office/drawing/2017/decorative" val="1"/>
+              </a:ext>
+            </a:extLst>
+          </p:cNvPr>
+          <p:cNvSpPr>
+            <a:spLocks noGrp="1" noRot="1" noChangeAspect="1" noMove="1" noResize="1" noEditPoints="1" noAdjustHandles="1" noChangeArrowheads="1" noChangeShapeType="1" noTextEdit="1"/>
+          </p:cNvSpPr>
+          <p:nvPr>
+            <p:extLst>
+              <p:ext uri="{386F3935-93C4-4BCD-93E2-E3B085C9AB24}">
+                <p16:designElem xmlns:p16="http://schemas.microsoft.com/office/powerpoint/2015/main" val="1"/>
+              </p:ext>
+            </p:extLst>
+          </p:nvPr>
+        </p:nvSpPr>
+        <p:spPr>
+          <a:xfrm flipH="1">
+            <a:off x="7604080" y="6453143"/>
+            <a:ext cx="814903" cy="404857"/>
+          </a:xfrm>
+          <a:prstGeom prst="triangle">
+            <a:avLst/>
+          </a:prstGeom>
+          <a:solidFill>
+            <a:schemeClr val="accent1">
+              <a:alpha val="30000"/>
+            </a:schemeClr>
+          </a:solidFill>
+          <a:ln>
+            <a:noFill/>
+          </a:ln>
+        </p:spPr>
+        <p:style>
+          <a:lnRef idx="2">
+            <a:schemeClr val="accent1">
+              <a:shade val="50000"/>
+            </a:schemeClr>
+          </a:lnRef>
+          <a:fillRef idx="1">
+            <a:schemeClr val="accent1"/>
+          </a:fillRef>
+          <a:effectRef idx="0">
+            <a:schemeClr val="accent1"/>
+          </a:effectRef>
+          <a:fontRef idx="minor">
+            <a:schemeClr val="lt1"/>
+          </a:fontRef>
+        </p:style>
+        <p:txBody>
+          <a:bodyPr rtlCol="0" anchor="ctr"/>
+          <a:lstStyle/>
+          <a:p>
+            <a:pPr algn="ctr"/>
+            <a:endParaRPr lang="en-US"/>
+          </a:p>
+        </p:txBody>
+      </p:sp>
+    </p:spTree>
+    <p:extLst>
+      <p:ext uri="{BB962C8B-B14F-4D97-AF65-F5344CB8AC3E}">
+        <p14:creationId xmlns:p14="http://schemas.microsoft.com/office/powerpoint/2010/main" val="2287422353"/>
+      </p:ext>
+    </p:extLst>
+  </p:cSld>
+  <p:clrMapOvr>
+    <a:masterClrMapping/>
+  </p:clrMapOvr>
+</p:sld>
+</file>
+
 <file path=ppt/theme/theme1.xml><?xml version="1.0" encoding="utf-8"?>
 <a:theme xmlns:a="http://schemas.openxmlformats.org/drawingml/2006/main" name="Office Theme">
   <a:themeElements>

--- a/analog ready and triger.pptx
+++ b/analog ready and triger.pptx
@@ -12,6 +12,8 @@
     <p:sldId id="260" r:id="rId6"/>
     <p:sldId id="261" r:id="rId7"/>
     <p:sldId id="262" r:id="rId8"/>
+    <p:sldId id="263" r:id="rId9"/>
+    <p:sldId id="264" r:id="rId10"/>
   </p:sldIdLst>
   <p:sldSz cx="12192000" cy="6858000"/>
   <p:notesSz cx="6858000" cy="9144000"/>
@@ -3537,8 +3539,8 @@
         </p:blipFill>
         <p:spPr>
           <a:xfrm>
-            <a:off x="20" y="1282"/>
-            <a:ext cx="12191980" cy="6856718"/>
+            <a:off x="784633" y="962083"/>
+            <a:ext cx="8123392" cy="4568561"/>
           </a:xfrm>
           <a:prstGeom prst="rect">
             <a:avLst/>
@@ -5201,6 +5203,176 @@
     <p:extLst>
       <p:ext uri="{BB962C8B-B14F-4D97-AF65-F5344CB8AC3E}">
         <p14:creationId xmlns:p14="http://schemas.microsoft.com/office/powerpoint/2010/main" val="2287422353"/>
+      </p:ext>
+    </p:extLst>
+  </p:cSld>
+  <p:clrMapOvr>
+    <a:masterClrMapping/>
+  </p:clrMapOvr>
+</p:sld>
+</file>
+
+<file path=ppt/slides/slide8.xml><?xml version="1.0" encoding="utf-8"?>
+<p:sld xmlns:a="http://schemas.openxmlformats.org/drawingml/2006/main" xmlns:r="http://schemas.openxmlformats.org/officeDocument/2006/relationships" xmlns:p="http://schemas.openxmlformats.org/presentationml/2006/main">
+  <p:cSld>
+    <p:spTree>
+      <p:nvGrpSpPr>
+        <p:cNvPr id="1" name=""/>
+        <p:cNvGrpSpPr/>
+        <p:nvPr/>
+      </p:nvGrpSpPr>
+      <p:grpSpPr>
+        <a:xfrm>
+          <a:off x="0" y="0"/>
+          <a:ext cx="0" cy="0"/>
+          <a:chOff x="0" y="0"/>
+          <a:chExt cx="0" cy="0"/>
+        </a:xfrm>
+      </p:grpSpPr>
+      <p:sp>
+        <p:nvSpPr>
+          <p:cNvPr id="2" name="Title 1">
+            <a:extLst>
+              <a:ext uri="{FF2B5EF4-FFF2-40B4-BE49-F238E27FC236}">
+                <a16:creationId xmlns:a16="http://schemas.microsoft.com/office/drawing/2014/main" id="{0D05D457-5470-DB86-20FB-0987FD22C4FE}"/>
+              </a:ext>
+            </a:extLst>
+          </p:cNvPr>
+          <p:cNvSpPr>
+            <a:spLocks noGrp="1"/>
+          </p:cNvSpPr>
+          <p:nvPr>
+            <p:ph type="title"/>
+          </p:nvPr>
+        </p:nvSpPr>
+        <p:spPr/>
+        <p:txBody>
+          <a:bodyPr/>
+          <a:lstStyle/>
+          <a:p>
+            <a:endParaRPr lang="en-GB"/>
+          </a:p>
+        </p:txBody>
+      </p:sp>
+      <p:sp>
+        <p:nvSpPr>
+          <p:cNvPr id="3" name="Content Placeholder 2">
+            <a:extLst>
+              <a:ext uri="{FF2B5EF4-FFF2-40B4-BE49-F238E27FC236}">
+                <a16:creationId xmlns:a16="http://schemas.microsoft.com/office/drawing/2014/main" id="{1049BCBD-D543-7D0F-9403-10B0DD58B6F2}"/>
+              </a:ext>
+            </a:extLst>
+          </p:cNvPr>
+          <p:cNvSpPr>
+            <a:spLocks noGrp="1"/>
+          </p:cNvSpPr>
+          <p:nvPr>
+            <p:ph idx="1"/>
+          </p:nvPr>
+        </p:nvSpPr>
+        <p:spPr/>
+        <p:txBody>
+          <a:bodyPr/>
+          <a:lstStyle/>
+          <a:p>
+            <a:endParaRPr lang="en-GB" dirty="0"/>
+          </a:p>
+        </p:txBody>
+      </p:sp>
+      <p:pic>
+        <p:nvPicPr>
+          <p:cNvPr id="7" name="Picture 6">
+            <a:extLst>
+              <a:ext uri="{FF2B5EF4-FFF2-40B4-BE49-F238E27FC236}">
+                <a16:creationId xmlns:a16="http://schemas.microsoft.com/office/drawing/2014/main" id="{C8A805F4-50C6-E690-8D66-26F5A274D296}"/>
+              </a:ext>
+            </a:extLst>
+          </p:cNvPr>
+          <p:cNvPicPr>
+            <a:picLocks noChangeAspect="1"/>
+          </p:cNvPicPr>
+          <p:nvPr/>
+        </p:nvPicPr>
+        <p:blipFill>
+          <a:blip r:embed="rId2"/>
+          <a:stretch>
+            <a:fillRect/>
+          </a:stretch>
+        </p:blipFill>
+        <p:spPr>
+          <a:xfrm>
+            <a:off x="0" y="20313"/>
+            <a:ext cx="12192000" cy="6817373"/>
+          </a:xfrm>
+          <a:prstGeom prst="rect">
+            <a:avLst/>
+          </a:prstGeom>
+        </p:spPr>
+      </p:pic>
+    </p:spTree>
+    <p:extLst>
+      <p:ext uri="{BB962C8B-B14F-4D97-AF65-F5344CB8AC3E}">
+        <p14:creationId xmlns:p14="http://schemas.microsoft.com/office/powerpoint/2010/main" val="1463390252"/>
+      </p:ext>
+    </p:extLst>
+  </p:cSld>
+  <p:clrMapOvr>
+    <a:masterClrMapping/>
+  </p:clrMapOvr>
+</p:sld>
+</file>
+
+<file path=ppt/slides/slide9.xml><?xml version="1.0" encoding="utf-8"?>
+<p:sld xmlns:a="http://schemas.openxmlformats.org/drawingml/2006/main" xmlns:r="http://schemas.openxmlformats.org/officeDocument/2006/relationships" xmlns:p="http://schemas.openxmlformats.org/presentationml/2006/main">
+  <p:cSld>
+    <p:spTree>
+      <p:nvGrpSpPr>
+        <p:cNvPr id="1" name=""/>
+        <p:cNvGrpSpPr/>
+        <p:nvPr/>
+      </p:nvGrpSpPr>
+      <p:grpSpPr>
+        <a:xfrm>
+          <a:off x="0" y="0"/>
+          <a:ext cx="0" cy="0"/>
+          <a:chOff x="0" y="0"/>
+          <a:chExt cx="0" cy="0"/>
+        </a:xfrm>
+      </p:grpSpPr>
+      <p:pic>
+        <p:nvPicPr>
+          <p:cNvPr id="5" name="Picture 4">
+            <a:extLst>
+              <a:ext uri="{FF2B5EF4-FFF2-40B4-BE49-F238E27FC236}">
+                <a16:creationId xmlns:a16="http://schemas.microsoft.com/office/drawing/2014/main" id="{64895022-B181-6785-5368-A06458E68450}"/>
+              </a:ext>
+            </a:extLst>
+          </p:cNvPr>
+          <p:cNvPicPr>
+            <a:picLocks noChangeAspect="1"/>
+          </p:cNvPicPr>
+          <p:nvPr/>
+        </p:nvPicPr>
+        <p:blipFill>
+          <a:blip r:embed="rId2"/>
+          <a:stretch>
+            <a:fillRect/>
+          </a:stretch>
+        </p:blipFill>
+        <p:spPr>
+          <a:xfrm>
+            <a:off x="0" y="20313"/>
+            <a:ext cx="12192000" cy="6817373"/>
+          </a:xfrm>
+          <a:prstGeom prst="rect">
+            <a:avLst/>
+          </a:prstGeom>
+        </p:spPr>
+      </p:pic>
+    </p:spTree>
+    <p:extLst>
+      <p:ext uri="{BB962C8B-B14F-4D97-AF65-F5344CB8AC3E}">
+        <p14:creationId xmlns:p14="http://schemas.microsoft.com/office/powerpoint/2010/main" val="4207557400"/>
       </p:ext>
     </p:extLst>
   </p:cSld>

--- a/analog ready and triger.pptx
+++ b/analog ready and triger.pptx
@@ -14,6 +14,7 @@
     <p:sldId id="262" r:id="rId8"/>
     <p:sldId id="263" r:id="rId9"/>
     <p:sldId id="264" r:id="rId10"/>
+    <p:sldId id="265" r:id="rId11"/>
   </p:sldIdLst>
   <p:sldSz cx="12192000" cy="6858000"/>
   <p:notesSz cx="6858000" cy="9144000"/>
@@ -269,7 +270,7 @@
           <a:p>
             <a:fld id="{369ECE3D-5579-42B5-BBD4-D71CCDF0049C}" type="datetimeFigureOut">
               <a:rPr lang="en-GB" smtClean="0"/>
-              <a:t>17/10/2022</a:t>
+              <a:t>20/10/2022</a:t>
             </a:fld>
             <a:endParaRPr lang="en-GB"/>
           </a:p>
@@ -469,7 +470,7 @@
           <a:p>
             <a:fld id="{369ECE3D-5579-42B5-BBD4-D71CCDF0049C}" type="datetimeFigureOut">
               <a:rPr lang="en-GB" smtClean="0"/>
-              <a:t>17/10/2022</a:t>
+              <a:t>20/10/2022</a:t>
             </a:fld>
             <a:endParaRPr lang="en-GB"/>
           </a:p>
@@ -679,7 +680,7 @@
           <a:p>
             <a:fld id="{369ECE3D-5579-42B5-BBD4-D71CCDF0049C}" type="datetimeFigureOut">
               <a:rPr lang="en-GB" smtClean="0"/>
-              <a:t>17/10/2022</a:t>
+              <a:t>20/10/2022</a:t>
             </a:fld>
             <a:endParaRPr lang="en-GB"/>
           </a:p>
@@ -879,7 +880,7 @@
           <a:p>
             <a:fld id="{369ECE3D-5579-42B5-BBD4-D71CCDF0049C}" type="datetimeFigureOut">
               <a:rPr lang="en-GB" smtClean="0"/>
-              <a:t>17/10/2022</a:t>
+              <a:t>20/10/2022</a:t>
             </a:fld>
             <a:endParaRPr lang="en-GB"/>
           </a:p>
@@ -1155,7 +1156,7 @@
           <a:p>
             <a:fld id="{369ECE3D-5579-42B5-BBD4-D71CCDF0049C}" type="datetimeFigureOut">
               <a:rPr lang="en-GB" smtClean="0"/>
-              <a:t>17/10/2022</a:t>
+              <a:t>20/10/2022</a:t>
             </a:fld>
             <a:endParaRPr lang="en-GB"/>
           </a:p>
@@ -1423,7 +1424,7 @@
           <a:p>
             <a:fld id="{369ECE3D-5579-42B5-BBD4-D71CCDF0049C}" type="datetimeFigureOut">
               <a:rPr lang="en-GB" smtClean="0"/>
-              <a:t>17/10/2022</a:t>
+              <a:t>20/10/2022</a:t>
             </a:fld>
             <a:endParaRPr lang="en-GB"/>
           </a:p>
@@ -1838,7 +1839,7 @@
           <a:p>
             <a:fld id="{369ECE3D-5579-42B5-BBD4-D71CCDF0049C}" type="datetimeFigureOut">
               <a:rPr lang="en-GB" smtClean="0"/>
-              <a:t>17/10/2022</a:t>
+              <a:t>20/10/2022</a:t>
             </a:fld>
             <a:endParaRPr lang="en-GB"/>
           </a:p>
@@ -1980,7 +1981,7 @@
           <a:p>
             <a:fld id="{369ECE3D-5579-42B5-BBD4-D71CCDF0049C}" type="datetimeFigureOut">
               <a:rPr lang="en-GB" smtClean="0"/>
-              <a:t>17/10/2022</a:t>
+              <a:t>20/10/2022</a:t>
             </a:fld>
             <a:endParaRPr lang="en-GB"/>
           </a:p>
@@ -2093,7 +2094,7 @@
           <a:p>
             <a:fld id="{369ECE3D-5579-42B5-BBD4-D71CCDF0049C}" type="datetimeFigureOut">
               <a:rPr lang="en-GB" smtClean="0"/>
-              <a:t>17/10/2022</a:t>
+              <a:t>20/10/2022</a:t>
             </a:fld>
             <a:endParaRPr lang="en-GB"/>
           </a:p>
@@ -2406,7 +2407,7 @@
           <a:p>
             <a:fld id="{369ECE3D-5579-42B5-BBD4-D71CCDF0049C}" type="datetimeFigureOut">
               <a:rPr lang="en-GB" smtClean="0"/>
-              <a:t>17/10/2022</a:t>
+              <a:t>20/10/2022</a:t>
             </a:fld>
             <a:endParaRPr lang="en-GB"/>
           </a:p>
@@ -2695,7 +2696,7 @@
           <a:p>
             <a:fld id="{369ECE3D-5579-42B5-BBD4-D71CCDF0049C}" type="datetimeFigureOut">
               <a:rPr lang="en-GB" smtClean="0"/>
-              <a:t>17/10/2022</a:t>
+              <a:t>20/10/2022</a:t>
             </a:fld>
             <a:endParaRPr lang="en-GB"/>
           </a:p>
@@ -2938,7 +2939,7 @@
           <a:p>
             <a:fld id="{369ECE3D-5579-42B5-BBD4-D71CCDF0049C}" type="datetimeFigureOut">
               <a:rPr lang="en-GB" smtClean="0"/>
-              <a:t>17/10/2022</a:t>
+              <a:t>20/10/2022</a:t>
             </a:fld>
             <a:endParaRPr lang="en-GB"/>
           </a:p>
@@ -3560,6 +3561,66 @@
 </p:sld>
 </file>
 
+<file path=ppt/slides/slide10.xml><?xml version="1.0" encoding="utf-8"?>
+<p:sld xmlns:a="http://schemas.openxmlformats.org/drawingml/2006/main" xmlns:r="http://schemas.openxmlformats.org/officeDocument/2006/relationships" xmlns:p="http://schemas.openxmlformats.org/presentationml/2006/main">
+  <p:cSld>
+    <p:spTree>
+      <p:nvGrpSpPr>
+        <p:cNvPr id="1" name=""/>
+        <p:cNvGrpSpPr/>
+        <p:nvPr/>
+      </p:nvGrpSpPr>
+      <p:grpSpPr>
+        <a:xfrm>
+          <a:off x="0" y="0"/>
+          <a:ext cx="0" cy="0"/>
+          <a:chOff x="0" y="0"/>
+          <a:chExt cx="0" cy="0"/>
+        </a:xfrm>
+      </p:grpSpPr>
+      <p:pic>
+        <p:nvPicPr>
+          <p:cNvPr id="5" name="Picture 4">
+            <a:extLst>
+              <a:ext uri="{FF2B5EF4-FFF2-40B4-BE49-F238E27FC236}">
+                <a16:creationId xmlns:a16="http://schemas.microsoft.com/office/drawing/2014/main" id="{1E7CAAA5-C5EE-B064-5EE2-7DDF871FDA07}"/>
+              </a:ext>
+            </a:extLst>
+          </p:cNvPr>
+          <p:cNvPicPr>
+            <a:picLocks noChangeAspect="1"/>
+          </p:cNvPicPr>
+          <p:nvPr/>
+        </p:nvPicPr>
+        <p:blipFill>
+          <a:blip r:embed="rId2"/>
+          <a:stretch>
+            <a:fillRect/>
+          </a:stretch>
+        </p:blipFill>
+        <p:spPr>
+          <a:xfrm>
+            <a:off x="0" y="365528"/>
+            <a:ext cx="12192000" cy="6126944"/>
+          </a:xfrm>
+          <a:prstGeom prst="rect">
+            <a:avLst/>
+          </a:prstGeom>
+        </p:spPr>
+      </p:pic>
+    </p:spTree>
+    <p:extLst>
+      <p:ext uri="{BB962C8B-B14F-4D97-AF65-F5344CB8AC3E}">
+        <p14:creationId xmlns:p14="http://schemas.microsoft.com/office/powerpoint/2010/main" val="3560338258"/>
+      </p:ext>
+    </p:extLst>
+  </p:cSld>
+  <p:clrMapOvr>
+    <a:masterClrMapping/>
+  </p:clrMapOvr>
+</p:sld>
+</file>
+
 <file path=ppt/slides/slide2.xml><?xml version="1.0" encoding="utf-8"?>
 <p:sld xmlns:a="http://schemas.openxmlformats.org/drawingml/2006/main" xmlns:r="http://schemas.openxmlformats.org/officeDocument/2006/relationships" xmlns:p="http://schemas.openxmlformats.org/presentationml/2006/main">
   <p:cSld>
